--- a/漫畫租書及預約系統.pptx
+++ b/漫畫租書及預約系統.pptx
@@ -447,7 +447,7 @@
           <a:p>
             <a:fld id="{F84B9C48-3263-4086-BFFE-56C2D4F0EB81}" type="datetimeFigureOut">
               <a:rPr lang="zh-TW" altLang="en-US" smtClean="0"/>
-              <a:t>2025/6/8</a:t>
+              <a:t>2025/6/15</a:t>
             </a:fld>
             <a:endParaRPr lang="zh-TW" altLang="en-US"/>
           </a:p>
@@ -771,7 +771,7 @@
           <a:p>
             <a:fld id="{F84B9C48-3263-4086-BFFE-56C2D4F0EB81}" type="datetimeFigureOut">
               <a:rPr lang="zh-TW" altLang="en-US" smtClean="0"/>
-              <a:t>2025/6/8</a:t>
+              <a:t>2025/6/15</a:t>
             </a:fld>
             <a:endParaRPr lang="zh-TW" altLang="en-US"/>
           </a:p>
@@ -1019,7 +1019,7 @@
           <a:p>
             <a:fld id="{F84B9C48-3263-4086-BFFE-56C2D4F0EB81}" type="datetimeFigureOut">
               <a:rPr lang="zh-TW" altLang="en-US" smtClean="0"/>
-              <a:t>2025/6/8</a:t>
+              <a:t>2025/6/15</a:t>
             </a:fld>
             <a:endParaRPr lang="zh-TW" altLang="en-US"/>
           </a:p>
@@ -1358,7 +1358,7 @@
           <a:p>
             <a:fld id="{F84B9C48-3263-4086-BFFE-56C2D4F0EB81}" type="datetimeFigureOut">
               <a:rPr lang="zh-TW" altLang="en-US" smtClean="0"/>
-              <a:t>2025/6/8</a:t>
+              <a:t>2025/6/15</a:t>
             </a:fld>
             <a:endParaRPr lang="zh-TW" altLang="en-US"/>
           </a:p>
@@ -1705,7 +1705,7 @@
           <a:p>
             <a:fld id="{F84B9C48-3263-4086-BFFE-56C2D4F0EB81}" type="datetimeFigureOut">
               <a:rPr lang="zh-TW" altLang="en-US" smtClean="0"/>
-              <a:t>2025/6/8</a:t>
+              <a:t>2025/6/15</a:t>
             </a:fld>
             <a:endParaRPr lang="zh-TW" altLang="en-US"/>
           </a:p>
@@ -2079,7 +2079,7 @@
           <a:p>
             <a:fld id="{F84B9C48-3263-4086-BFFE-56C2D4F0EB81}" type="datetimeFigureOut">
               <a:rPr lang="zh-TW" altLang="en-US" smtClean="0"/>
-              <a:t>2025/6/8</a:t>
+              <a:t>2025/6/15</a:t>
             </a:fld>
             <a:endParaRPr lang="zh-TW" altLang="en-US"/>
           </a:p>
@@ -2549,7 +2549,7 @@
           <a:p>
             <a:fld id="{F84B9C48-3263-4086-BFFE-56C2D4F0EB81}" type="datetimeFigureOut">
               <a:rPr lang="zh-TW" altLang="en-US" smtClean="0"/>
-              <a:t>2025/6/8</a:t>
+              <a:t>2025/6/15</a:t>
             </a:fld>
             <a:endParaRPr lang="zh-TW" altLang="en-US"/>
           </a:p>
@@ -2754,7 +2754,7 @@
           <a:p>
             <a:fld id="{F84B9C48-3263-4086-BFFE-56C2D4F0EB81}" type="datetimeFigureOut">
               <a:rPr lang="zh-TW" altLang="en-US" smtClean="0"/>
-              <a:t>2025/6/8</a:t>
+              <a:t>2025/6/15</a:t>
             </a:fld>
             <a:endParaRPr lang="zh-TW" altLang="en-US"/>
           </a:p>
@@ -2965,7 +2965,7 @@
           <a:p>
             <a:fld id="{F84B9C48-3263-4086-BFFE-56C2D4F0EB81}" type="datetimeFigureOut">
               <a:rPr lang="zh-TW" altLang="en-US" smtClean="0"/>
-              <a:t>2025/6/8</a:t>
+              <a:t>2025/6/15</a:t>
             </a:fld>
             <a:endParaRPr lang="zh-TW" altLang="en-US"/>
           </a:p>
@@ -3197,7 +3197,7 @@
           <a:p>
             <a:fld id="{F84B9C48-3263-4086-BFFE-56C2D4F0EB81}" type="datetimeFigureOut">
               <a:rPr lang="zh-TW" altLang="en-US" smtClean="0"/>
-              <a:t>2025/6/8</a:t>
+              <a:t>2025/6/15</a:t>
             </a:fld>
             <a:endParaRPr lang="zh-TW" altLang="en-US"/>
           </a:p>
@@ -3445,7 +3445,7 @@
           <a:p>
             <a:fld id="{F84B9C48-3263-4086-BFFE-56C2D4F0EB81}" type="datetimeFigureOut">
               <a:rPr lang="zh-TW" altLang="en-US" smtClean="0"/>
-              <a:t>2025/6/8</a:t>
+              <a:t>2025/6/15</a:t>
             </a:fld>
             <a:endParaRPr lang="zh-TW" altLang="en-US"/>
           </a:p>
@@ -3743,7 +3743,7 @@
           <a:p>
             <a:fld id="{F84B9C48-3263-4086-BFFE-56C2D4F0EB81}" type="datetimeFigureOut">
               <a:rPr lang="zh-TW" altLang="en-US" smtClean="0"/>
-              <a:t>2025/6/8</a:t>
+              <a:t>2025/6/15</a:t>
             </a:fld>
             <a:endParaRPr lang="zh-TW" altLang="en-US"/>
           </a:p>
@@ -4137,7 +4137,7 @@
           <a:p>
             <a:fld id="{F84B9C48-3263-4086-BFFE-56C2D4F0EB81}" type="datetimeFigureOut">
               <a:rPr lang="zh-TW" altLang="en-US" smtClean="0"/>
-              <a:t>2025/6/8</a:t>
+              <a:t>2025/6/15</a:t>
             </a:fld>
             <a:endParaRPr lang="zh-TW" altLang="en-US"/>
           </a:p>
@@ -4286,7 +4286,7 @@
           <a:p>
             <a:fld id="{F84B9C48-3263-4086-BFFE-56C2D4F0EB81}" type="datetimeFigureOut">
               <a:rPr lang="zh-TW" altLang="en-US" smtClean="0"/>
-              <a:t>2025/6/8</a:t>
+              <a:t>2025/6/15</a:t>
             </a:fld>
             <a:endParaRPr lang="zh-TW" altLang="en-US"/>
           </a:p>
@@ -4412,7 +4412,7 @@
           <a:p>
             <a:fld id="{F84B9C48-3263-4086-BFFE-56C2D4F0EB81}" type="datetimeFigureOut">
               <a:rPr lang="zh-TW" altLang="en-US" smtClean="0"/>
-              <a:t>2025/6/8</a:t>
+              <a:t>2025/6/15</a:t>
             </a:fld>
             <a:endParaRPr lang="zh-TW" altLang="en-US"/>
           </a:p>
@@ -4667,7 +4667,7 @@
           <a:p>
             <a:fld id="{F84B9C48-3263-4086-BFFE-56C2D4F0EB81}" type="datetimeFigureOut">
               <a:rPr lang="zh-TW" altLang="en-US" smtClean="0"/>
-              <a:t>2025/6/8</a:t>
+              <a:t>2025/6/15</a:t>
             </a:fld>
             <a:endParaRPr lang="zh-TW" altLang="en-US"/>
           </a:p>
@@ -4982,7 +4982,7 @@
           <a:p>
             <a:fld id="{F84B9C48-3263-4086-BFFE-56C2D4F0EB81}" type="datetimeFigureOut">
               <a:rPr lang="zh-TW" altLang="en-US" smtClean="0"/>
-              <a:t>2025/6/8</a:t>
+              <a:t>2025/6/15</a:t>
             </a:fld>
             <a:endParaRPr lang="zh-TW" altLang="en-US"/>
           </a:p>
@@ -5333,7 +5333,7 @@
           <a:p>
             <a:fld id="{F84B9C48-3263-4086-BFFE-56C2D4F0EB81}" type="datetimeFigureOut">
               <a:rPr lang="zh-TW" altLang="en-US" smtClean="0"/>
-              <a:t>2025/6/8</a:t>
+              <a:t>2025/6/15</a:t>
             </a:fld>
             <a:endParaRPr lang="zh-TW" altLang="en-US"/>
           </a:p>
@@ -6137,10 +6137,10 @@
       </p:sp>
       <p:pic>
         <p:nvPicPr>
-          <p:cNvPr id="13" name="內容版面配置區 12">
+          <p:cNvPr id="22" name="內容版面配置區 21" descr="一張含有 文字, 螢幕擷取畫面, 圖表, 設計 的圖片&#10;&#10;AI 產生的內容可能不正確。">
             <a:extLst>
               <a:ext uri="{FF2B5EF4-FFF2-40B4-BE49-F238E27FC236}">
-                <a16:creationId xmlns:a16="http://schemas.microsoft.com/office/drawing/2014/main" id="{3B102F14-1B7C-123A-C830-2DC698542AC2}"/>
+                <a16:creationId xmlns:a16="http://schemas.microsoft.com/office/drawing/2014/main" id="{06A8DDFA-B93A-F39F-5743-0339CE701733}"/>
               </a:ext>
             </a:extLst>
           </p:cNvPr>
@@ -6152,136 +6152,22 @@
           </p:nvPr>
         </p:nvPicPr>
         <p:blipFill>
-          <a:blip r:embed="rId2"/>
+          <a:blip r:embed="rId2">
+            <a:extLst>
+              <a:ext uri="{28A0092B-C50C-407E-A947-70E740481C1C}">
+                <a14:useLocalDpi xmlns:a14="http://schemas.microsoft.com/office/drawing/2010/main" val="0"/>
+              </a:ext>
+            </a:extLst>
+          </a:blip>
           <a:stretch>
             <a:fillRect/>
           </a:stretch>
         </p:blipFill>
         <p:spPr>
           <a:xfrm>
-            <a:off x="699287" y="1138239"/>
-            <a:ext cx="2864733" cy="3300412"/>
+            <a:off x="3617046" y="2557463"/>
+            <a:ext cx="4957907" cy="3317875"/>
           </a:xfrm>
-        </p:spPr>
-      </p:pic>
-      <p:pic>
-        <p:nvPicPr>
-          <p:cNvPr id="15" name="圖片 14">
-            <a:extLst>
-              <a:ext uri="{FF2B5EF4-FFF2-40B4-BE49-F238E27FC236}">
-                <a16:creationId xmlns:a16="http://schemas.microsoft.com/office/drawing/2014/main" id="{C7D0E408-F5A2-5BD7-D8FF-AA8FA325E70B}"/>
-              </a:ext>
-            </a:extLst>
-          </p:cNvPr>
-          <p:cNvPicPr>
-            <a:picLocks noChangeAspect="1"/>
-          </p:cNvPicPr>
-          <p:nvPr/>
-        </p:nvPicPr>
-        <p:blipFill>
-          <a:blip r:embed="rId3"/>
-          <a:stretch>
-            <a:fillRect/>
-          </a:stretch>
-        </p:blipFill>
-        <p:spPr>
-          <a:xfrm>
-            <a:off x="3276599" y="1233488"/>
-            <a:ext cx="3423951" cy="2795587"/>
-          </a:xfrm>
-          <a:prstGeom prst="rect">
-            <a:avLst/>
-          </a:prstGeom>
-        </p:spPr>
-      </p:pic>
-      <p:pic>
-        <p:nvPicPr>
-          <p:cNvPr id="19" name="圖片 18">
-            <a:extLst>
-              <a:ext uri="{FF2B5EF4-FFF2-40B4-BE49-F238E27FC236}">
-                <a16:creationId xmlns:a16="http://schemas.microsoft.com/office/drawing/2014/main" id="{E072E812-81AB-7EF2-938B-1041692E4130}"/>
-              </a:ext>
-            </a:extLst>
-          </p:cNvPr>
-          <p:cNvPicPr>
-            <a:picLocks noChangeAspect="1"/>
-          </p:cNvPicPr>
-          <p:nvPr/>
-        </p:nvPicPr>
-        <p:blipFill>
-          <a:blip r:embed="rId4"/>
-          <a:stretch>
-            <a:fillRect/>
-          </a:stretch>
-        </p:blipFill>
-        <p:spPr>
-          <a:xfrm>
-            <a:off x="6700551" y="1285633"/>
-            <a:ext cx="4105848" cy="3467584"/>
-          </a:xfrm>
-          <a:prstGeom prst="rect">
-            <a:avLst/>
-          </a:prstGeom>
-        </p:spPr>
-      </p:pic>
-      <p:pic>
-        <p:nvPicPr>
-          <p:cNvPr id="21" name="圖片 20">
-            <a:extLst>
-              <a:ext uri="{FF2B5EF4-FFF2-40B4-BE49-F238E27FC236}">
-                <a16:creationId xmlns:a16="http://schemas.microsoft.com/office/drawing/2014/main" id="{C97491B7-8EEF-26AD-4A8B-5DBA115EFDB9}"/>
-              </a:ext>
-            </a:extLst>
-          </p:cNvPr>
-          <p:cNvPicPr>
-            <a:picLocks noChangeAspect="1"/>
-          </p:cNvPicPr>
-          <p:nvPr/>
-        </p:nvPicPr>
-        <p:blipFill>
-          <a:blip r:embed="rId5"/>
-          <a:stretch>
-            <a:fillRect/>
-          </a:stretch>
-        </p:blipFill>
-        <p:spPr>
-          <a:xfrm>
-            <a:off x="852344" y="4248059"/>
-            <a:ext cx="2048161" cy="1324160"/>
-          </a:xfrm>
-          <a:prstGeom prst="rect">
-            <a:avLst/>
-          </a:prstGeom>
-        </p:spPr>
-      </p:pic>
-      <p:pic>
-        <p:nvPicPr>
-          <p:cNvPr id="23" name="圖片 22">
-            <a:extLst>
-              <a:ext uri="{FF2B5EF4-FFF2-40B4-BE49-F238E27FC236}">
-                <a16:creationId xmlns:a16="http://schemas.microsoft.com/office/drawing/2014/main" id="{CC159948-65B8-836E-AD80-55C774C097F3}"/>
-              </a:ext>
-            </a:extLst>
-          </p:cNvPr>
-          <p:cNvPicPr>
-            <a:picLocks noChangeAspect="1"/>
-          </p:cNvPicPr>
-          <p:nvPr/>
-        </p:nvPicPr>
-        <p:blipFill>
-          <a:blip r:embed="rId6"/>
-          <a:stretch>
-            <a:fillRect/>
-          </a:stretch>
-        </p:blipFill>
-        <p:spPr>
-          <a:xfrm>
-            <a:off x="3531034" y="3810000"/>
-            <a:ext cx="2810267" cy="2381249"/>
-          </a:xfrm>
-          <a:prstGeom prst="rect">
-            <a:avLst/>
-          </a:prstGeom>
         </p:spPr>
       </p:pic>
     </p:spTree>
